--- a/meetings/PräsentationPoc.pptx
+++ b/meetings/PräsentationPoc.pptx
@@ -9,9 +9,13 @@
   <p:sldIdLst>
     <p:sldId id="256" r:id="rId4"/>
     <p:sldId id="258" r:id="rId5"/>
-    <p:sldId id="267" r:id="rId6"/>
-    <p:sldId id="266" r:id="rId7"/>
-    <p:sldId id="268" r:id="rId8"/>
+    <p:sldId id="270" r:id="rId6"/>
+    <p:sldId id="267" r:id="rId7"/>
+    <p:sldId id="271" r:id="rId8"/>
+    <p:sldId id="272" r:id="rId9"/>
+    <p:sldId id="273" r:id="rId10"/>
+    <p:sldId id="266" r:id="rId11"/>
+    <p:sldId id="268" r:id="rId12"/>
   </p:sldIdLst>
   <p:sldSz cx="12192000" cy="6858000"/>
   <p:notesSz cx="7559675" cy="10691813"/>
@@ -110,6 +114,11 @@
       </a:defRPr>
     </a:lvl9pPr>
   </p:defaultTextStyle>
+  <p:extLst>
+    <p:ext uri="{EFAFB233-063F-42B5-8137-9DF3F51BA10A}">
+      <p15:sldGuideLst xmlns:p15="http://schemas.microsoft.com/office/powerpoint/2012/main"/>
+    </p:ext>
+  </p:extLst>
 </p:presentation>
 </file>
 
@@ -6389,18 +6398,18 @@
               <a:buChar char=""/>
             </a:pPr>
             <a:r>
+              <a:rPr lang="de-CH" sz="2800" spc="-1" dirty="0">
+                <a:latin typeface="Arial"/>
+              </a:rPr>
+              <a:t>Demo </a:t>
+            </a:r>
+            <a:r>
               <a:rPr lang="de-CH" sz="2800" spc="-1" dirty="0" err="1">
                 <a:latin typeface="Arial"/>
               </a:rPr>
               <a:t>PoC</a:t>
             </a:r>
-            <a:r>
-              <a:rPr lang="de-CH" sz="2800" spc="-1" dirty="0">
-                <a:latin typeface="Arial"/>
-              </a:rPr>
-              <a:t> Report</a:t>
-            </a:r>
-            <a:endParaRPr lang="de-CH" sz="2800" b="0" strike="noStrike" spc="-1" dirty="0">
+            <a:endParaRPr lang="de-CH" sz="2800" spc="-1" dirty="0">
               <a:latin typeface="Arial"/>
             </a:endParaRPr>
           </a:p>
@@ -6423,16 +6432,12 @@
               <a:buChar char=""/>
             </a:pPr>
             <a:r>
-              <a:rPr lang="de-CH" sz="2800" spc="-1" dirty="0">
-                <a:latin typeface="Arial"/>
-              </a:rPr>
-              <a:t>Demo </a:t>
-            </a:r>
-            <a:r>
-              <a:rPr lang="de-CH" sz="2800" spc="-1" dirty="0" err="1">
-                <a:latin typeface="Arial"/>
-              </a:rPr>
+              <a:rPr lang="de-CH" sz="2800" spc="-1" dirty="0" err="1"/>
               <a:t>PoC</a:t>
+            </a:r>
+            <a:r>
+              <a:rPr lang="de-CH" sz="2800" spc="-1" dirty="0"/>
+              <a:t> Report</a:t>
             </a:r>
             <a:endParaRPr lang="de-CH" sz="2800" b="0" strike="noStrike" spc="-1" dirty="0">
               <a:latin typeface="Arial"/>
@@ -6515,6 +6520,215 @@
                 <a:latin typeface="Calibri Light"/>
                 <a:ea typeface="DejaVu Sans"/>
               </a:rPr>
+              <a:t>Parsen der Daten </a:t>
+            </a:r>
+            <a:endParaRPr lang="de-CH" sz="4400" b="0" strike="noStrike" spc="-1" dirty="0">
+              <a:latin typeface="Arial"/>
+            </a:endParaRPr>
+          </a:p>
+        </p:txBody>
+      </p:sp>
+      <p:sp>
+        <p:nvSpPr>
+          <p:cNvPr id="5" name="Textfeld 4">
+            <a:extLst>
+              <a:ext uri="{FF2B5EF4-FFF2-40B4-BE49-F238E27FC236}">
+                <a16:creationId xmlns:a16="http://schemas.microsoft.com/office/drawing/2014/main" id="{35E977B8-59A9-1B4C-AAA2-A160E9D9555A}"/>
+              </a:ext>
+            </a:extLst>
+          </p:cNvPr>
+          <p:cNvSpPr txBox="1"/>
+          <p:nvPr/>
+        </p:nvSpPr>
+        <p:spPr>
+          <a:xfrm>
+            <a:off x="838080" y="1770928"/>
+            <a:ext cx="7853432" cy="4247317"/>
+          </a:xfrm>
+          <a:prstGeom prst="rect">
+            <a:avLst/>
+          </a:prstGeom>
+          <a:noFill/>
+        </p:spPr>
+        <p:txBody>
+          <a:bodyPr wrap="none" rtlCol="0">
+            <a:spAutoFit/>
+          </a:bodyPr>
+          <a:lstStyle/>
+          <a:p>
+            <a:r>
+              <a:rPr lang="de-DE" dirty="0" err="1"/>
+              <a:t>Pdf</a:t>
+            </a:r>
+            <a:r>
+              <a:rPr lang="de-DE" dirty="0"/>
+              <a:t> wird in einzelne Seiten gesplittet</a:t>
+            </a:r>
+          </a:p>
+          <a:p>
+            <a:r>
+              <a:rPr lang="de-DE" dirty="0"/>
+              <a:t>Text wird extrahiert</a:t>
+            </a:r>
+          </a:p>
+          <a:p>
+            <a:r>
+              <a:rPr lang="de-DE" dirty="0"/>
+              <a:t>Seite wird zu base64 codiert</a:t>
+            </a:r>
+          </a:p>
+          <a:p>
+            <a:r>
+              <a:rPr lang="de-DE" dirty="0"/>
+              <a:t>Als Eintrag in DB speichern</a:t>
+            </a:r>
+          </a:p>
+          <a:p>
+            <a:endParaRPr lang="de-DE" dirty="0"/>
+          </a:p>
+          <a:p>
+            <a:r>
+              <a:rPr lang="de-DE" dirty="0"/>
+              <a:t>Splitting:</a:t>
+            </a:r>
+            <a:br>
+              <a:rPr lang="de-DE" dirty="0"/>
+            </a:br>
+            <a:r>
+              <a:rPr lang="de-DE" dirty="0"/>
+              <a:t>Jemand muss wissen wo im Dokument etwas gefunden wurde (Seitenzahl)</a:t>
+            </a:r>
+          </a:p>
+          <a:p>
+            <a:endParaRPr lang="de-DE" dirty="0"/>
+          </a:p>
+          <a:p>
+            <a:r>
+              <a:rPr lang="de-DE" dirty="0"/>
+              <a:t>Textextraktion:</a:t>
+            </a:r>
+          </a:p>
+          <a:p>
+            <a:r>
+              <a:rPr lang="de-DE" dirty="0" err="1"/>
+              <a:t>Elasticsearch</a:t>
+            </a:r>
+            <a:r>
+              <a:rPr lang="de-DE" dirty="0"/>
+              <a:t> Index</a:t>
+            </a:r>
+          </a:p>
+          <a:p>
+            <a:endParaRPr lang="de-DE" dirty="0"/>
+          </a:p>
+          <a:p>
+            <a:r>
+              <a:rPr lang="de-DE" dirty="0"/>
+              <a:t>Base64:</a:t>
+            </a:r>
+          </a:p>
+          <a:p>
+            <a:r>
+              <a:rPr lang="de-DE" dirty="0"/>
+              <a:t>Original </a:t>
+            </a:r>
+            <a:r>
+              <a:rPr lang="de-DE" dirty="0" err="1"/>
+              <a:t>pdf</a:t>
+            </a:r>
+            <a:r>
+              <a:rPr lang="de-DE" dirty="0"/>
+              <a:t> kann so zurückgegeben werden</a:t>
+            </a:r>
+          </a:p>
+          <a:p>
+            <a:endParaRPr lang="de-DE" dirty="0"/>
+          </a:p>
+          <a:p>
+            <a:endParaRPr lang="de-DE" dirty="0"/>
+          </a:p>
+        </p:txBody>
+      </p:sp>
+    </p:spTree>
+    <p:extLst>
+      <p:ext uri="{BB962C8B-B14F-4D97-AF65-F5344CB8AC3E}">
+        <p14:creationId xmlns:p14="http://schemas.microsoft.com/office/powerpoint/2010/main" val="4105226797"/>
+      </p:ext>
+    </p:extLst>
+  </p:cSld>
+  <p:clrMapOvr>
+    <a:masterClrMapping/>
+  </p:clrMapOvr>
+</p:sld>
+</file>
+
+<file path=ppt/slides/slide4.xml><?xml version="1.0" encoding="utf-8"?>
+<p:sld xmlns:a="http://schemas.openxmlformats.org/drawingml/2006/main" xmlns:r="http://schemas.openxmlformats.org/officeDocument/2006/relationships" xmlns:p="http://schemas.openxmlformats.org/presentationml/2006/main">
+  <p:cSld>
+    <p:spTree>
+      <p:nvGrpSpPr>
+        <p:cNvPr id="1" name=""/>
+        <p:cNvGrpSpPr/>
+        <p:nvPr/>
+      </p:nvGrpSpPr>
+      <p:grpSpPr>
+        <a:xfrm>
+          <a:off x="0" y="0"/>
+          <a:ext cx="0" cy="0"/>
+          <a:chOff x="0" y="0"/>
+          <a:chExt cx="0" cy="0"/>
+        </a:xfrm>
+      </p:grpSpPr>
+      <p:sp>
+        <p:nvSpPr>
+          <p:cNvPr id="167" name="Titel 1"/>
+          <p:cNvSpPr/>
+          <p:nvPr/>
+        </p:nvSpPr>
+        <p:spPr>
+          <a:xfrm>
+            <a:off x="838080" y="365040"/>
+            <a:ext cx="10512000" cy="1321920"/>
+          </a:xfrm>
+          <a:prstGeom prst="rect">
+            <a:avLst/>
+          </a:prstGeom>
+          <a:noFill/>
+          <a:ln w="0">
+            <a:noFill/>
+          </a:ln>
+        </p:spPr>
+        <p:style>
+          <a:lnRef idx="0">
+            <a:scrgbClr r="0" g="0" b="0"/>
+          </a:lnRef>
+          <a:fillRef idx="0">
+            <a:scrgbClr r="0" g="0" b="0"/>
+          </a:fillRef>
+          <a:effectRef idx="0">
+            <a:scrgbClr r="0" g="0" b="0"/>
+          </a:effectRef>
+          <a:fontRef idx="minor"/>
+        </p:style>
+        <p:txBody>
+          <a:bodyPr lIns="90000" tIns="45000" rIns="90000" bIns="45000" anchor="ctr">
+            <a:noAutofit/>
+          </a:bodyPr>
+          <a:lstStyle/>
+          <a:p>
+            <a:pPr>
+              <a:lnSpc>
+                <a:spcPct val="90000"/>
+              </a:lnSpc>
+            </a:pPr>
+            <a:r>
+              <a:rPr lang="de-DE" sz="4400" b="0" strike="noStrike" spc="-1" dirty="0">
+                <a:solidFill>
+                  <a:srgbClr val="000000"/>
+                </a:solidFill>
+                <a:latin typeface="Calibri Light"/>
+                <a:ea typeface="DejaVu Sans"/>
+              </a:rPr>
               <a:t>Philosophie</a:t>
             </a:r>
             <a:endParaRPr lang="de-CH" sz="4400" b="0" strike="noStrike" spc="-1" dirty="0">
@@ -6653,7 +6867,7 @@
             </a:r>
             <a:r>
               <a:rPr lang="de-CH" sz="2800" spc="-1" dirty="0" err="1"/>
-              <a:t>no</a:t>
+              <a:t>divide</a:t>
             </a:r>
             <a:r>
               <a:rPr lang="de-CH" sz="2800" spc="-1" dirty="0"/>
@@ -6661,7 +6875,7 @@
             </a:r>
             <a:r>
               <a:rPr lang="de-CH" sz="2800" spc="-1" dirty="0" err="1"/>
-              <a:t>pain</a:t>
+              <a:t>and</a:t>
             </a:r>
             <a:r>
               <a:rPr lang="de-CH" sz="2800" spc="-1" dirty="0"/>
@@ -6669,15 +6883,7 @@
             </a:r>
             <a:r>
               <a:rPr lang="de-CH" sz="2800" spc="-1" dirty="0" err="1"/>
-              <a:t>no</a:t>
-            </a:r>
-            <a:r>
-              <a:rPr lang="de-CH" sz="2800" spc="-1" dirty="0"/>
-              <a:t> </a:t>
-            </a:r>
-            <a:r>
-              <a:rPr lang="de-CH" sz="2800" spc="-1" dirty="0" err="1"/>
-              <a:t>gain</a:t>
+              <a:t>conquer</a:t>
             </a:r>
             <a:endParaRPr lang="de-CH" sz="2800" spc="-1" dirty="0"/>
           </a:p>
@@ -7060,89 +7266,6 @@
 </p:sld>
 </file>
 
-<file path=ppt/slides/slide4.xml><?xml version="1.0" encoding="utf-8"?>
-<p:sld xmlns:a="http://schemas.openxmlformats.org/drawingml/2006/main" xmlns:r="http://schemas.openxmlformats.org/officeDocument/2006/relationships" xmlns:p="http://schemas.openxmlformats.org/presentationml/2006/main">
-  <p:cSld>
-    <p:spTree>
-      <p:nvGrpSpPr>
-        <p:cNvPr id="1" name=""/>
-        <p:cNvGrpSpPr/>
-        <p:nvPr/>
-      </p:nvGrpSpPr>
-      <p:grpSpPr>
-        <a:xfrm>
-          <a:off x="0" y="0"/>
-          <a:ext cx="0" cy="0"/>
-          <a:chOff x="0" y="0"/>
-          <a:chExt cx="0" cy="0"/>
-        </a:xfrm>
-      </p:grpSpPr>
-      <p:sp>
-        <p:nvSpPr>
-          <p:cNvPr id="193" name="Titel 1"/>
-          <p:cNvSpPr/>
-          <p:nvPr/>
-        </p:nvSpPr>
-        <p:spPr>
-          <a:xfrm>
-            <a:off x="4320" y="2765880"/>
-            <a:ext cx="12179880" cy="1321920"/>
-          </a:xfrm>
-          <a:prstGeom prst="rect">
-            <a:avLst/>
-          </a:prstGeom>
-          <a:noFill/>
-          <a:ln w="0">
-            <a:noFill/>
-          </a:ln>
-        </p:spPr>
-        <p:style>
-          <a:lnRef idx="0">
-            <a:scrgbClr r="0" g="0" b="0"/>
-          </a:lnRef>
-          <a:fillRef idx="0">
-            <a:scrgbClr r="0" g="0" b="0"/>
-          </a:fillRef>
-          <a:effectRef idx="0">
-            <a:scrgbClr r="0" g="0" b="0"/>
-          </a:effectRef>
-          <a:fontRef idx="minor"/>
-        </p:style>
-        <p:txBody>
-          <a:bodyPr lIns="90000" tIns="45000" rIns="90000" bIns="45000" anchor="ctr">
-            <a:noAutofit/>
-          </a:bodyPr>
-          <a:lstStyle/>
-          <a:p>
-            <a:pPr algn="ctr">
-              <a:lnSpc>
-                <a:spcPct val="90000"/>
-              </a:lnSpc>
-            </a:pPr>
-            <a:r>
-              <a:rPr lang="de-DE" sz="4400" b="0" strike="noStrike" spc="-1">
-                <a:solidFill>
-                  <a:srgbClr val="000000"/>
-                </a:solidFill>
-                <a:latin typeface="Calibri Light"/>
-                <a:ea typeface="DejaVu Sans"/>
-              </a:rPr>
-              <a:t>Fragen</a:t>
-            </a:r>
-            <a:endParaRPr lang="de-CH" sz="4400" b="0" strike="noStrike" spc="-1">
-              <a:latin typeface="Arial"/>
-            </a:endParaRPr>
-          </a:p>
-        </p:txBody>
-      </p:sp>
-    </p:spTree>
-  </p:cSld>
-  <p:clrMapOvr>
-    <a:masterClrMapping/>
-  </p:clrMapOvr>
-</p:sld>
-</file>
-
 <file path=ppt/slides/slide5.xml><?xml version="1.0" encoding="utf-8"?>
 <p:sld xmlns:a="http://schemas.openxmlformats.org/drawingml/2006/main" xmlns:r="http://schemas.openxmlformats.org/officeDocument/2006/relationships" xmlns:p="http://schemas.openxmlformats.org/presentationml/2006/main">
   <p:cSld>
@@ -7162,6 +7285,652 @@
       </p:grpSpPr>
       <p:sp>
         <p:nvSpPr>
+          <p:cNvPr id="167" name="Titel 1"/>
+          <p:cNvSpPr/>
+          <p:nvPr/>
+        </p:nvSpPr>
+        <p:spPr>
+          <a:xfrm>
+            <a:off x="838080" y="365040"/>
+            <a:ext cx="10512000" cy="1321920"/>
+          </a:xfrm>
+          <a:prstGeom prst="rect">
+            <a:avLst/>
+          </a:prstGeom>
+          <a:noFill/>
+          <a:ln w="0">
+            <a:noFill/>
+          </a:ln>
+        </p:spPr>
+        <p:style>
+          <a:lnRef idx="0">
+            <a:scrgbClr r="0" g="0" b="0"/>
+          </a:lnRef>
+          <a:fillRef idx="0">
+            <a:scrgbClr r="0" g="0" b="0"/>
+          </a:fillRef>
+          <a:effectRef idx="0">
+            <a:scrgbClr r="0" g="0" b="0"/>
+          </a:effectRef>
+          <a:fontRef idx="minor"/>
+        </p:style>
+        <p:txBody>
+          <a:bodyPr lIns="90000" tIns="45000" rIns="90000" bIns="45000" anchor="ctr">
+            <a:noAutofit/>
+          </a:bodyPr>
+          <a:lstStyle/>
+          <a:p>
+            <a:pPr>
+              <a:lnSpc>
+                <a:spcPct val="90000"/>
+              </a:lnSpc>
+            </a:pPr>
+            <a:r>
+              <a:rPr lang="de-DE" sz="4400" b="0" strike="noStrike" spc="-1" dirty="0">
+                <a:solidFill>
+                  <a:srgbClr val="000000"/>
+                </a:solidFill>
+                <a:latin typeface="Calibri Light"/>
+                <a:ea typeface="DejaVu Sans"/>
+              </a:rPr>
+              <a:t>BE</a:t>
+            </a:r>
+            <a:endParaRPr lang="de-CH" sz="4400" b="0" strike="noStrike" spc="-1" dirty="0">
+              <a:latin typeface="Arial"/>
+            </a:endParaRPr>
+          </a:p>
+        </p:txBody>
+      </p:sp>
+      <p:sp>
+        <p:nvSpPr>
+          <p:cNvPr id="5" name="Textfeld 4">
+            <a:extLst>
+              <a:ext uri="{FF2B5EF4-FFF2-40B4-BE49-F238E27FC236}">
+                <a16:creationId xmlns:a16="http://schemas.microsoft.com/office/drawing/2014/main" id="{35E977B8-59A9-1B4C-AAA2-A160E9D9555A}"/>
+              </a:ext>
+            </a:extLst>
+          </p:cNvPr>
+          <p:cNvSpPr txBox="1"/>
+          <p:nvPr/>
+        </p:nvSpPr>
+        <p:spPr>
+          <a:xfrm>
+            <a:off x="838080" y="1770928"/>
+            <a:ext cx="8558753" cy="3693319"/>
+          </a:xfrm>
+          <a:prstGeom prst="rect">
+            <a:avLst/>
+          </a:prstGeom>
+          <a:noFill/>
+        </p:spPr>
+        <p:txBody>
+          <a:bodyPr wrap="none" rtlCol="0">
+            <a:spAutoFit/>
+          </a:bodyPr>
+          <a:lstStyle/>
+          <a:p>
+            <a:r>
+              <a:rPr lang="de-DE" dirty="0"/>
+              <a:t>Model: erstellt Index</a:t>
+            </a:r>
+          </a:p>
+          <a:p>
+            <a:endParaRPr lang="de-DE" dirty="0"/>
+          </a:p>
+          <a:p>
+            <a:endParaRPr lang="de-DE" dirty="0"/>
+          </a:p>
+          <a:p>
+            <a:r>
+              <a:rPr lang="de-DE" dirty="0"/>
+              <a:t>Controller: Hier könnten Suchen über verschiedene Quellen implementiert werden</a:t>
+            </a:r>
+          </a:p>
+          <a:p>
+            <a:r>
+              <a:rPr lang="de-DE" dirty="0"/>
+              <a:t>	Hat 2 Endpunkte: </a:t>
+            </a:r>
+            <a:r>
+              <a:rPr lang="de-DE" dirty="0" err="1"/>
+              <a:t>show_page</a:t>
+            </a:r>
+            <a:endParaRPr lang="de-DE" dirty="0"/>
+          </a:p>
+          <a:p>
+            <a:r>
+              <a:rPr lang="de-DE" dirty="0"/>
+              <a:t>			</a:t>
+            </a:r>
+            <a:r>
+              <a:rPr lang="de-DE" dirty="0" err="1"/>
+              <a:t>search</a:t>
+            </a:r>
+            <a:endParaRPr lang="de-DE" dirty="0"/>
+          </a:p>
+          <a:p>
+            <a:endParaRPr lang="de-DE" dirty="0"/>
+          </a:p>
+          <a:p>
+            <a:r>
+              <a:rPr lang="de-DE" dirty="0" err="1"/>
+              <a:t>Searchable.rb</a:t>
+            </a:r>
+            <a:r>
+              <a:rPr lang="de-DE" dirty="0"/>
+              <a:t>: Funktionen wurden hinzugefügt um </a:t>
+            </a:r>
+            <a:r>
+              <a:rPr lang="de-DE" dirty="0" err="1"/>
+              <a:t>PoC</a:t>
+            </a:r>
+            <a:r>
+              <a:rPr lang="de-DE" dirty="0"/>
+              <a:t> zu ermöglichen </a:t>
+            </a:r>
+            <a:br>
+              <a:rPr lang="de-DE" dirty="0"/>
+            </a:br>
+            <a:r>
+              <a:rPr lang="de-DE" dirty="0"/>
+              <a:t>	und bestehenden Code nicht zu beeinflussen</a:t>
+            </a:r>
+          </a:p>
+          <a:p>
+            <a:r>
+              <a:rPr lang="de-DE" dirty="0"/>
+              <a:t>	</a:t>
+            </a:r>
+          </a:p>
+          <a:p>
+            <a:r>
+              <a:rPr lang="de-DE" dirty="0" err="1"/>
+              <a:t>Search_helper.rb</a:t>
+            </a:r>
+            <a:r>
+              <a:rPr lang="de-DE" dirty="0"/>
+              <a:t>: Funktionen wurden hinzugefügt um </a:t>
+            </a:r>
+            <a:r>
+              <a:rPr lang="de-DE" dirty="0" err="1"/>
+              <a:t>PoC</a:t>
+            </a:r>
+            <a:r>
+              <a:rPr lang="de-DE" dirty="0"/>
+              <a:t> zu ermöglichen </a:t>
+            </a:r>
+            <a:br>
+              <a:rPr lang="de-DE" dirty="0"/>
+            </a:br>
+            <a:r>
+              <a:rPr lang="de-DE" dirty="0"/>
+              <a:t>	 und bestehenden Code nicht zu beeinflussen</a:t>
+            </a:r>
+            <a:br>
+              <a:rPr lang="de-DE" dirty="0"/>
+            </a:br>
+            <a:r>
+              <a:rPr lang="de-DE" dirty="0"/>
+              <a:t>	</a:t>
+            </a:r>
+          </a:p>
+        </p:txBody>
+      </p:sp>
+    </p:spTree>
+    <p:extLst>
+      <p:ext uri="{BB962C8B-B14F-4D97-AF65-F5344CB8AC3E}">
+        <p14:creationId xmlns:p14="http://schemas.microsoft.com/office/powerpoint/2010/main" val="3169472201"/>
+      </p:ext>
+    </p:extLst>
+  </p:cSld>
+  <p:clrMapOvr>
+    <a:masterClrMapping/>
+  </p:clrMapOvr>
+</p:sld>
+</file>
+
+<file path=ppt/slides/slide6.xml><?xml version="1.0" encoding="utf-8"?>
+<p:sld xmlns:a="http://schemas.openxmlformats.org/drawingml/2006/main" xmlns:r="http://schemas.openxmlformats.org/officeDocument/2006/relationships" xmlns:p="http://schemas.openxmlformats.org/presentationml/2006/main">
+  <p:cSld>
+    <p:spTree>
+      <p:nvGrpSpPr>
+        <p:cNvPr id="1" name=""/>
+        <p:cNvGrpSpPr/>
+        <p:nvPr/>
+      </p:nvGrpSpPr>
+      <p:grpSpPr>
+        <a:xfrm>
+          <a:off x="0" y="0"/>
+          <a:ext cx="0" cy="0"/>
+          <a:chOff x="0" y="0"/>
+          <a:chExt cx="0" cy="0"/>
+        </a:xfrm>
+      </p:grpSpPr>
+      <p:sp>
+        <p:nvSpPr>
+          <p:cNvPr id="167" name="Titel 1"/>
+          <p:cNvSpPr/>
+          <p:nvPr/>
+        </p:nvSpPr>
+        <p:spPr>
+          <a:xfrm>
+            <a:off x="838080" y="365040"/>
+            <a:ext cx="10512000" cy="1321920"/>
+          </a:xfrm>
+          <a:prstGeom prst="rect">
+            <a:avLst/>
+          </a:prstGeom>
+          <a:noFill/>
+          <a:ln w="0">
+            <a:noFill/>
+          </a:ln>
+        </p:spPr>
+        <p:style>
+          <a:lnRef idx="0">
+            <a:scrgbClr r="0" g="0" b="0"/>
+          </a:lnRef>
+          <a:fillRef idx="0">
+            <a:scrgbClr r="0" g="0" b="0"/>
+          </a:fillRef>
+          <a:effectRef idx="0">
+            <a:scrgbClr r="0" g="0" b="0"/>
+          </a:effectRef>
+          <a:fontRef idx="minor"/>
+        </p:style>
+        <p:txBody>
+          <a:bodyPr lIns="90000" tIns="45000" rIns="90000" bIns="45000" anchor="ctr">
+            <a:noAutofit/>
+          </a:bodyPr>
+          <a:lstStyle/>
+          <a:p>
+            <a:pPr>
+              <a:lnSpc>
+                <a:spcPct val="90000"/>
+              </a:lnSpc>
+            </a:pPr>
+            <a:r>
+              <a:rPr lang="de-DE" sz="4400" spc="-1" dirty="0">
+                <a:solidFill>
+                  <a:srgbClr val="000000"/>
+                </a:solidFill>
+                <a:latin typeface="Calibri Light"/>
+              </a:rPr>
+              <a:t>FE</a:t>
+            </a:r>
+            <a:endParaRPr lang="de-CH" sz="4400" b="0" strike="noStrike" spc="-1" dirty="0">
+              <a:latin typeface="Arial"/>
+            </a:endParaRPr>
+          </a:p>
+        </p:txBody>
+      </p:sp>
+      <p:sp>
+        <p:nvSpPr>
+          <p:cNvPr id="5" name="Textfeld 4">
+            <a:extLst>
+              <a:ext uri="{FF2B5EF4-FFF2-40B4-BE49-F238E27FC236}">
+                <a16:creationId xmlns:a16="http://schemas.microsoft.com/office/drawing/2014/main" id="{35E977B8-59A9-1B4C-AAA2-A160E9D9555A}"/>
+              </a:ext>
+            </a:extLst>
+          </p:cNvPr>
+          <p:cNvSpPr txBox="1"/>
+          <p:nvPr/>
+        </p:nvSpPr>
+        <p:spPr>
+          <a:xfrm>
+            <a:off x="838080" y="1770928"/>
+            <a:ext cx="6930102" cy="1200329"/>
+          </a:xfrm>
+          <a:prstGeom prst="rect">
+            <a:avLst/>
+          </a:prstGeom>
+          <a:noFill/>
+        </p:spPr>
+        <p:txBody>
+          <a:bodyPr wrap="none" rtlCol="0">
+            <a:spAutoFit/>
+          </a:bodyPr>
+          <a:lstStyle/>
+          <a:p>
+            <a:r>
+              <a:rPr lang="de-DE" dirty="0" err="1"/>
+              <a:t>Pdf</a:t>
+            </a:r>
+            <a:r>
+              <a:rPr lang="de-DE" dirty="0"/>
+              <a:t> kann sehr einfach mit ng2-pdf-viewer im FE angezeigt werden</a:t>
+            </a:r>
+          </a:p>
+          <a:p>
+            <a:endParaRPr lang="de-DE" dirty="0"/>
+          </a:p>
+          <a:p>
+            <a:r>
+              <a:rPr lang="de-DE" dirty="0"/>
+              <a:t>Suche über </a:t>
+            </a:r>
+            <a:r>
+              <a:rPr lang="de-DE" dirty="0" err="1"/>
+              <a:t>Elasticsearchindex</a:t>
+            </a:r>
+            <a:r>
+              <a:rPr lang="de-DE" dirty="0"/>
+              <a:t> funktioniert</a:t>
+            </a:r>
+            <a:br>
+              <a:rPr lang="de-DE" dirty="0"/>
+            </a:br>
+            <a:r>
+              <a:rPr lang="de-DE" dirty="0"/>
+              <a:t>	</a:t>
+            </a:r>
+          </a:p>
+        </p:txBody>
+      </p:sp>
+    </p:spTree>
+    <p:extLst>
+      <p:ext uri="{BB962C8B-B14F-4D97-AF65-F5344CB8AC3E}">
+        <p14:creationId xmlns:p14="http://schemas.microsoft.com/office/powerpoint/2010/main" val="544974803"/>
+      </p:ext>
+    </p:extLst>
+  </p:cSld>
+  <p:clrMapOvr>
+    <a:masterClrMapping/>
+  </p:clrMapOvr>
+</p:sld>
+</file>
+
+<file path=ppt/slides/slide7.xml><?xml version="1.0" encoding="utf-8"?>
+<p:sld xmlns:a="http://schemas.openxmlformats.org/drawingml/2006/main" xmlns:r="http://schemas.openxmlformats.org/officeDocument/2006/relationships" xmlns:p="http://schemas.openxmlformats.org/presentationml/2006/main">
+  <p:cSld>
+    <p:spTree>
+      <p:nvGrpSpPr>
+        <p:cNvPr id="1" name=""/>
+        <p:cNvGrpSpPr/>
+        <p:nvPr/>
+      </p:nvGrpSpPr>
+      <p:grpSpPr>
+        <a:xfrm>
+          <a:off x="0" y="0"/>
+          <a:ext cx="0" cy="0"/>
+          <a:chOff x="0" y="0"/>
+          <a:chExt cx="0" cy="0"/>
+        </a:xfrm>
+      </p:grpSpPr>
+      <p:sp>
+        <p:nvSpPr>
+          <p:cNvPr id="167" name="Titel 1"/>
+          <p:cNvSpPr/>
+          <p:nvPr/>
+        </p:nvSpPr>
+        <p:spPr>
+          <a:xfrm>
+            <a:off x="838080" y="365040"/>
+            <a:ext cx="10512000" cy="1321920"/>
+          </a:xfrm>
+          <a:prstGeom prst="rect">
+            <a:avLst/>
+          </a:prstGeom>
+          <a:noFill/>
+          <a:ln w="0">
+            <a:noFill/>
+          </a:ln>
+        </p:spPr>
+        <p:style>
+          <a:lnRef idx="0">
+            <a:scrgbClr r="0" g="0" b="0"/>
+          </a:lnRef>
+          <a:fillRef idx="0">
+            <a:scrgbClr r="0" g="0" b="0"/>
+          </a:fillRef>
+          <a:effectRef idx="0">
+            <a:scrgbClr r="0" g="0" b="0"/>
+          </a:effectRef>
+          <a:fontRef idx="minor"/>
+        </p:style>
+        <p:txBody>
+          <a:bodyPr lIns="90000" tIns="45000" rIns="90000" bIns="45000" anchor="ctr">
+            <a:noAutofit/>
+          </a:bodyPr>
+          <a:lstStyle/>
+          <a:p>
+            <a:pPr>
+              <a:lnSpc>
+                <a:spcPct val="90000"/>
+              </a:lnSpc>
+            </a:pPr>
+            <a:r>
+              <a:rPr lang="de-DE" sz="4400" b="0" strike="noStrike" spc="-1" dirty="0" err="1">
+                <a:solidFill>
+                  <a:srgbClr val="000000"/>
+                </a:solidFill>
+                <a:latin typeface="Calibri Light"/>
+              </a:rPr>
+              <a:t>Scalability</a:t>
+            </a:r>
+            <a:endParaRPr lang="de-CH" sz="4400" b="0" strike="noStrike" spc="-1" dirty="0">
+              <a:latin typeface="Arial"/>
+            </a:endParaRPr>
+          </a:p>
+        </p:txBody>
+      </p:sp>
+      <p:sp>
+        <p:nvSpPr>
+          <p:cNvPr id="5" name="Textfeld 4">
+            <a:extLst>
+              <a:ext uri="{FF2B5EF4-FFF2-40B4-BE49-F238E27FC236}">
+                <a16:creationId xmlns:a16="http://schemas.microsoft.com/office/drawing/2014/main" id="{35E977B8-59A9-1B4C-AAA2-A160E9D9555A}"/>
+              </a:ext>
+            </a:extLst>
+          </p:cNvPr>
+          <p:cNvSpPr txBox="1"/>
+          <p:nvPr/>
+        </p:nvSpPr>
+        <p:spPr>
+          <a:xfrm>
+            <a:off x="838080" y="1770928"/>
+            <a:ext cx="8520281" cy="3693319"/>
+          </a:xfrm>
+          <a:prstGeom prst="rect">
+            <a:avLst/>
+          </a:prstGeom>
+          <a:noFill/>
+        </p:spPr>
+        <p:txBody>
+          <a:bodyPr wrap="none" rtlCol="0">
+            <a:spAutoFit/>
+          </a:bodyPr>
+          <a:lstStyle/>
+          <a:p>
+            <a:r>
+              <a:rPr lang="de-DE" dirty="0"/>
+              <a:t>DB Inkonsistenzen </a:t>
+            </a:r>
+          </a:p>
+          <a:p>
+            <a:r>
+              <a:rPr lang="de-DE" dirty="0"/>
+              <a:t>	Seite 10 MKHB deutsch muss nicht unbedingt die gleiche Seite sein wie </a:t>
+            </a:r>
+          </a:p>
+          <a:p>
+            <a:r>
+              <a:rPr lang="de-DE" dirty="0"/>
+              <a:t>	Seite 10 MKHB französisch</a:t>
+            </a:r>
+          </a:p>
+          <a:p>
+            <a:endParaRPr lang="de-DE" dirty="0"/>
+          </a:p>
+          <a:p>
+            <a:r>
+              <a:rPr lang="de-DE" dirty="0"/>
+              <a:t>-&gt; Dies muss beachtet werden, wenn Inhalte verknüpft werden sollten</a:t>
+            </a:r>
+          </a:p>
+          <a:p>
+            <a:endParaRPr lang="de-DE" dirty="0"/>
+          </a:p>
+          <a:p>
+            <a:endParaRPr lang="de-DE" dirty="0"/>
+          </a:p>
+          <a:p>
+            <a:r>
+              <a:rPr lang="de-DE" dirty="0"/>
+              <a:t>Sonst </a:t>
+            </a:r>
+            <a:r>
+              <a:rPr lang="de-DE" dirty="0" err="1"/>
+              <a:t>PoC</a:t>
+            </a:r>
+            <a:r>
+              <a:rPr lang="de-DE" dirty="0"/>
+              <a:t> sehr skalierbar. </a:t>
+            </a:r>
+          </a:p>
+          <a:p>
+            <a:endParaRPr lang="de-DE" dirty="0"/>
+          </a:p>
+          <a:p>
+            <a:r>
+              <a:rPr lang="de-DE" dirty="0"/>
+              <a:t>Pro neue Quelle muss eigentlich nur ein neues Model hinzugefügt werden</a:t>
+            </a:r>
+          </a:p>
+          <a:p>
+            <a:r>
+              <a:rPr lang="de-DE" dirty="0"/>
+              <a:t>Der Controller kann so angepasst werden,  dass verschiedene Kombinationen </a:t>
+            </a:r>
+          </a:p>
+          <a:p>
+            <a:r>
+              <a:rPr lang="de-DE" dirty="0"/>
+              <a:t>von Models gezielt durchsucht werden können.</a:t>
+            </a:r>
+          </a:p>
+          <a:p>
+            <a:r>
+              <a:rPr lang="de-DE" dirty="0"/>
+              <a:t>Rake Task müsste für neue Quelle erweitert werden</a:t>
+            </a:r>
+          </a:p>
+        </p:txBody>
+      </p:sp>
+    </p:spTree>
+    <p:extLst>
+      <p:ext uri="{BB962C8B-B14F-4D97-AF65-F5344CB8AC3E}">
+        <p14:creationId xmlns:p14="http://schemas.microsoft.com/office/powerpoint/2010/main" val="4293224929"/>
+      </p:ext>
+    </p:extLst>
+  </p:cSld>
+  <p:clrMapOvr>
+    <a:masterClrMapping/>
+  </p:clrMapOvr>
+</p:sld>
+</file>
+
+<file path=ppt/slides/slide8.xml><?xml version="1.0" encoding="utf-8"?>
+<p:sld xmlns:a="http://schemas.openxmlformats.org/drawingml/2006/main" xmlns:r="http://schemas.openxmlformats.org/officeDocument/2006/relationships" xmlns:p="http://schemas.openxmlformats.org/presentationml/2006/main">
+  <p:cSld>
+    <p:spTree>
+      <p:nvGrpSpPr>
+        <p:cNvPr id="1" name=""/>
+        <p:cNvGrpSpPr/>
+        <p:nvPr/>
+      </p:nvGrpSpPr>
+      <p:grpSpPr>
+        <a:xfrm>
+          <a:off x="0" y="0"/>
+          <a:ext cx="0" cy="0"/>
+          <a:chOff x="0" y="0"/>
+          <a:chExt cx="0" cy="0"/>
+        </a:xfrm>
+      </p:grpSpPr>
+      <p:sp>
+        <p:nvSpPr>
+          <p:cNvPr id="193" name="Titel 1"/>
+          <p:cNvSpPr/>
+          <p:nvPr/>
+        </p:nvSpPr>
+        <p:spPr>
+          <a:xfrm>
+            <a:off x="4320" y="2765880"/>
+            <a:ext cx="12179880" cy="1321920"/>
+          </a:xfrm>
+          <a:prstGeom prst="rect">
+            <a:avLst/>
+          </a:prstGeom>
+          <a:noFill/>
+          <a:ln w="0">
+            <a:noFill/>
+          </a:ln>
+        </p:spPr>
+        <p:style>
+          <a:lnRef idx="0">
+            <a:scrgbClr r="0" g="0" b="0"/>
+          </a:lnRef>
+          <a:fillRef idx="0">
+            <a:scrgbClr r="0" g="0" b="0"/>
+          </a:fillRef>
+          <a:effectRef idx="0">
+            <a:scrgbClr r="0" g="0" b="0"/>
+          </a:effectRef>
+          <a:fontRef idx="minor"/>
+        </p:style>
+        <p:txBody>
+          <a:bodyPr lIns="90000" tIns="45000" rIns="90000" bIns="45000" anchor="ctr">
+            <a:noAutofit/>
+          </a:bodyPr>
+          <a:lstStyle/>
+          <a:p>
+            <a:pPr algn="ctr">
+              <a:lnSpc>
+                <a:spcPct val="90000"/>
+              </a:lnSpc>
+            </a:pPr>
+            <a:r>
+              <a:rPr lang="de-DE" sz="4400" b="0" strike="noStrike" spc="-1">
+                <a:solidFill>
+                  <a:srgbClr val="000000"/>
+                </a:solidFill>
+                <a:latin typeface="Calibri Light"/>
+                <a:ea typeface="DejaVu Sans"/>
+              </a:rPr>
+              <a:t>Fragen</a:t>
+            </a:r>
+            <a:endParaRPr lang="de-CH" sz="4400" b="0" strike="noStrike" spc="-1">
+              <a:latin typeface="Arial"/>
+            </a:endParaRPr>
+          </a:p>
+        </p:txBody>
+      </p:sp>
+    </p:spTree>
+  </p:cSld>
+  <p:clrMapOvr>
+    <a:masterClrMapping/>
+  </p:clrMapOvr>
+</p:sld>
+</file>
+
+<file path=ppt/slides/slide9.xml><?xml version="1.0" encoding="utf-8"?>
+<p:sld xmlns:a="http://schemas.openxmlformats.org/drawingml/2006/main" xmlns:r="http://schemas.openxmlformats.org/officeDocument/2006/relationships" xmlns:p="http://schemas.openxmlformats.org/presentationml/2006/main">
+  <p:cSld>
+    <p:spTree>
+      <p:nvGrpSpPr>
+        <p:cNvPr id="1" name=""/>
+        <p:cNvGrpSpPr/>
+        <p:nvPr/>
+      </p:nvGrpSpPr>
+      <p:grpSpPr>
+        <a:xfrm>
+          <a:off x="0" y="0"/>
+          <a:ext cx="0" cy="0"/>
+          <a:chOff x="0" y="0"/>
+          <a:chExt cx="0" cy="0"/>
+        </a:xfrm>
+      </p:grpSpPr>
+      <p:sp>
+        <p:nvSpPr>
           <p:cNvPr id="3" name="Untertitel 2">
             <a:extLst>
               <a:ext uri="{FF2B5EF4-FFF2-40B4-BE49-F238E27FC236}">
@@ -7176,7 +7945,12 @@
             <p:ph type="subTitle"/>
           </p:nvPr>
         </p:nvSpPr>
-        <p:spPr/>
+        <p:spPr>
+          <a:xfrm>
+            <a:off x="609780" y="2856600"/>
+            <a:ext cx="10972440" cy="1144800"/>
+          </a:xfrm>
+        </p:spPr>
         <p:txBody>
           <a:bodyPr/>
           <a:lstStyle/>
